--- a/terraform/doc/Terraform.pptx
+++ b/terraform/doc/Terraform.pptx
@@ -5,15 +5,16 @@
     <p:sldMasterId id="2147483648" r:id="rId1"/>
   </p:sldMasterIdLst>
   <p:notesMasterIdLst>
-    <p:notesMasterId r:id="rId8"/>
+    <p:notesMasterId r:id="rId9"/>
   </p:notesMasterIdLst>
   <p:sldIdLst>
     <p:sldId id="263" r:id="rId2"/>
     <p:sldId id="256" r:id="rId3"/>
     <p:sldId id="264" r:id="rId4"/>
     <p:sldId id="266" r:id="rId5"/>
-    <p:sldId id="265" r:id="rId6"/>
-    <p:sldId id="267" r:id="rId7"/>
+    <p:sldId id="268" r:id="rId6"/>
+    <p:sldId id="265" r:id="rId7"/>
+    <p:sldId id="267" r:id="rId8"/>
   </p:sldIdLst>
   <p:sldSz cx="12192000" cy="6858000"/>
   <p:notesSz cx="6858000" cy="9144000"/>
@@ -112,6 +113,11 @@
       </a:defRPr>
     </a:lvl9pPr>
   </p:defaultTextStyle>
+  <p:extLst>
+    <p:ext uri="{EFAFB233-063F-42B5-8137-9DF3F51BA10A}">
+      <p15:sldGuideLst xmlns:p15="http://schemas.microsoft.com/office/powerpoint/2012/main"/>
+    </p:ext>
+  </p:extLst>
 </p:presentation>
 </file>
 
@@ -529,7 +535,7 @@
           <a:p>
             <a:fld id="{B2FCBEA9-1874-4A98-9A3C-64892745F541}" type="slidenum">
               <a:rPr lang="pt-BR" smtClean="0"/>
-              <a:t>6</a:t>
+              <a:t>7</a:t>
             </a:fld>
             <a:endParaRPr lang="pt-BR"/>
           </a:p>
@@ -4957,7 +4963,7 @@
                   <a:schemeClr val="tx1"/>
                 </a:solidFill>
               </a:rPr>
-              <a:t>LANÇANDO INSTÂNCIA</a:t>
+              <a:t>EXECUÇÃO DO TERRAFORM</a:t>
             </a:r>
             <a:endParaRPr lang="pt-BR" sz="2600" b="1" dirty="0">
               <a:solidFill>
@@ -5066,7 +5072,7 @@
           <p:cNvPr id="3" name="Imagem 2">
             <a:extLst>
               <a:ext uri="{FF2B5EF4-FFF2-40B4-BE49-F238E27FC236}">
-                <a16:creationId xmlns:a16="http://schemas.microsoft.com/office/drawing/2014/main" id="{3962F20E-16B5-FF73-F10A-09DC1BBC958B}"/>
+                <a16:creationId xmlns:a16="http://schemas.microsoft.com/office/drawing/2014/main" id="{71DA3276-A4D6-5D90-C41F-0D43D4D6E23E}"/>
               </a:ext>
             </a:extLst>
           </p:cNvPr>
@@ -5083,8 +5089,234 @@
         </p:blipFill>
         <p:spPr>
           <a:xfrm>
-            <a:off x="477641" y="2019356"/>
-            <a:ext cx="11236718" cy="4508475"/>
+            <a:off x="1597741" y="1808214"/>
+            <a:ext cx="8996516" cy="4780575"/>
+          </a:xfrm>
+          <a:prstGeom prst="rect">
+            <a:avLst/>
+          </a:prstGeom>
+        </p:spPr>
+      </p:pic>
+    </p:spTree>
+    <p:extLst>
+      <p:ext uri="{BB962C8B-B14F-4D97-AF65-F5344CB8AC3E}">
+        <p14:creationId xmlns:p14="http://schemas.microsoft.com/office/powerpoint/2010/main" val="2757002301"/>
+      </p:ext>
+    </p:extLst>
+  </p:cSld>
+  <p:clrMapOvr>
+    <a:masterClrMapping/>
+  </p:clrMapOvr>
+</p:sld>
+</file>
+
+<file path=ppt/slides/slide6.xml><?xml version="1.0" encoding="utf-8"?>
+<p:sld xmlns:a="http://schemas.openxmlformats.org/drawingml/2006/main" xmlns:r="http://schemas.openxmlformats.org/officeDocument/2006/relationships" xmlns:p="http://schemas.openxmlformats.org/presentationml/2006/main">
+  <p:cSld>
+    <p:bg>
+      <p:bgPr>
+        <a:solidFill>
+          <a:schemeClr val="tx1"/>
+        </a:solidFill>
+        <a:effectLst/>
+      </p:bgPr>
+    </p:bg>
+    <p:spTree>
+      <p:nvGrpSpPr>
+        <p:cNvPr id="1" name=""/>
+        <p:cNvGrpSpPr/>
+        <p:nvPr/>
+      </p:nvGrpSpPr>
+      <p:grpSpPr>
+        <a:xfrm>
+          <a:off x="0" y="0"/>
+          <a:ext cx="0" cy="0"/>
+          <a:chOff x="0" y="0"/>
+          <a:chExt cx="0" cy="0"/>
+        </a:xfrm>
+      </p:grpSpPr>
+      <p:sp>
+        <p:nvSpPr>
+          <p:cNvPr id="6" name="Retângulo 5">
+            <a:extLst>
+              <a:ext uri="{FF2B5EF4-FFF2-40B4-BE49-F238E27FC236}">
+                <a16:creationId xmlns:a16="http://schemas.microsoft.com/office/drawing/2014/main" id="{930A490F-F163-BD57-8DAA-2DC2A1F029C7}"/>
+              </a:ext>
+            </a:extLst>
+          </p:cNvPr>
+          <p:cNvSpPr/>
+          <p:nvPr/>
+        </p:nvSpPr>
+        <p:spPr>
+          <a:xfrm>
+            <a:off x="0" y="269211"/>
+            <a:ext cx="12191999" cy="1337187"/>
+          </a:xfrm>
+          <a:prstGeom prst="rect">
+            <a:avLst/>
+          </a:prstGeom>
+          <a:solidFill>
+            <a:schemeClr val="bg1"/>
+          </a:solidFill>
+          <a:ln>
+            <a:noFill/>
+          </a:ln>
+        </p:spPr>
+        <p:style>
+          <a:lnRef idx="2">
+            <a:schemeClr val="accent1">
+              <a:shade val="15000"/>
+            </a:schemeClr>
+          </a:lnRef>
+          <a:fillRef idx="1">
+            <a:schemeClr val="accent1"/>
+          </a:fillRef>
+          <a:effectRef idx="0">
+            <a:schemeClr val="accent1"/>
+          </a:effectRef>
+          <a:fontRef idx="minor">
+            <a:schemeClr val="lt1"/>
+          </a:fontRef>
+        </p:style>
+        <p:txBody>
+          <a:bodyPr rtlCol="0" anchor="ctr"/>
+          <a:lstStyle/>
+          <a:p>
+            <a:pPr algn="ctr"/>
+            <a:r>
+              <a:rPr lang="en-US" sz="2600" b="1" dirty="0">
+                <a:solidFill>
+                  <a:schemeClr val="tx1"/>
+                </a:solidFill>
+              </a:rPr>
+              <a:t>LANÇANDO INSTÂNCIA</a:t>
+            </a:r>
+            <a:endParaRPr lang="pt-BR" sz="2600" b="1" dirty="0">
+              <a:solidFill>
+                <a:schemeClr val="tx1"/>
+              </a:solidFill>
+            </a:endParaRPr>
+          </a:p>
+        </p:txBody>
+      </p:sp>
+      <p:pic>
+        <p:nvPicPr>
+          <p:cNvPr id="2052" name="Picture 4" descr="HashiCorp Terraform-Automate Infrastructure on Any Cloud">
+            <a:extLst>
+              <a:ext uri="{FF2B5EF4-FFF2-40B4-BE49-F238E27FC236}">
+                <a16:creationId xmlns:a16="http://schemas.microsoft.com/office/drawing/2014/main" id="{E9287B95-AD30-97A5-3449-C522EF98A0BD}"/>
+              </a:ext>
+            </a:extLst>
+          </p:cNvPr>
+          <p:cNvPicPr>
+            <a:picLocks noChangeAspect="1" noChangeArrowheads="1"/>
+          </p:cNvPicPr>
+          <p:nvPr/>
+        </p:nvPicPr>
+        <p:blipFill>
+          <a:blip r:embed="rId2">
+            <a:extLst>
+              <a:ext uri="{28A0092B-C50C-407E-A947-70E740481C1C}">
+                <a14:useLocalDpi xmlns:a14="http://schemas.microsoft.com/office/drawing/2010/main" val="0"/>
+              </a:ext>
+            </a:extLst>
+          </a:blip>
+          <a:srcRect/>
+          <a:stretch>
+            <a:fillRect/>
+          </a:stretch>
+        </p:blipFill>
+        <p:spPr bwMode="auto">
+          <a:xfrm>
+            <a:off x="109330" y="330169"/>
+            <a:ext cx="2295939" cy="1147970"/>
+          </a:xfrm>
+          <a:prstGeom prst="rect">
+            <a:avLst/>
+          </a:prstGeom>
+          <a:noFill/>
+          <a:extLst>
+            <a:ext uri="{909E8E84-426E-40DD-AFC4-6F175D3DCCD1}">
+              <a14:hiddenFill xmlns:a14="http://schemas.microsoft.com/office/drawing/2010/main">
+                <a:solidFill>
+                  <a:srgbClr val="FFFFFF"/>
+                </a:solidFill>
+              </a14:hiddenFill>
+            </a:ext>
+          </a:extLst>
+        </p:spPr>
+      </p:pic>
+      <p:pic>
+        <p:nvPicPr>
+          <p:cNvPr id="2054" name="Picture 6" descr="Amazon Web Services – Wikipédia, a enciclopédia livre">
+            <a:extLst>
+              <a:ext uri="{FF2B5EF4-FFF2-40B4-BE49-F238E27FC236}">
+                <a16:creationId xmlns:a16="http://schemas.microsoft.com/office/drawing/2014/main" id="{3317270E-1A72-BD5C-2F1D-9546675381F2}"/>
+              </a:ext>
+            </a:extLst>
+          </p:cNvPr>
+          <p:cNvPicPr>
+            <a:picLocks noChangeAspect="1" noChangeArrowheads="1"/>
+          </p:cNvPicPr>
+          <p:nvPr/>
+        </p:nvPicPr>
+        <p:blipFill>
+          <a:blip r:embed="rId3">
+            <a:extLst>
+              <a:ext uri="{28A0092B-C50C-407E-A947-70E740481C1C}">
+                <a14:useLocalDpi xmlns:a14="http://schemas.microsoft.com/office/drawing/2010/main" val="0"/>
+              </a:ext>
+            </a:extLst>
+          </a:blip>
+          <a:srcRect/>
+          <a:stretch>
+            <a:fillRect/>
+          </a:stretch>
+        </p:blipFill>
+        <p:spPr bwMode="auto">
+          <a:xfrm>
+            <a:off x="10517477" y="575857"/>
+            <a:ext cx="1094325" cy="656595"/>
+          </a:xfrm>
+          <a:prstGeom prst="rect">
+            <a:avLst/>
+          </a:prstGeom>
+          <a:noFill/>
+          <a:extLst>
+            <a:ext uri="{909E8E84-426E-40DD-AFC4-6F175D3DCCD1}">
+              <a14:hiddenFill xmlns:a14="http://schemas.microsoft.com/office/drawing/2010/main">
+                <a:solidFill>
+                  <a:srgbClr val="FFFFFF"/>
+                </a:solidFill>
+              </a14:hiddenFill>
+            </a:ext>
+          </a:extLst>
+        </p:spPr>
+      </p:pic>
+      <p:pic>
+        <p:nvPicPr>
+          <p:cNvPr id="7" name="Imagem 6">
+            <a:extLst>
+              <a:ext uri="{FF2B5EF4-FFF2-40B4-BE49-F238E27FC236}">
+                <a16:creationId xmlns:a16="http://schemas.microsoft.com/office/drawing/2014/main" id="{FFD5A9B0-C746-0EAA-C29A-F1278BF63E62}"/>
+              </a:ext>
+            </a:extLst>
+          </p:cNvPr>
+          <p:cNvPicPr>
+            <a:picLocks noChangeAspect="1"/>
+          </p:cNvPicPr>
+          <p:nvPr/>
+        </p:nvPicPr>
+        <p:blipFill>
+          <a:blip r:embed="rId4"/>
+          <a:stretch>
+            <a:fillRect/>
+          </a:stretch>
+        </p:blipFill>
+        <p:spPr>
+          <a:xfrm>
+            <a:off x="771831" y="1781066"/>
+            <a:ext cx="10648335" cy="4807723"/>
           </a:xfrm>
           <a:prstGeom prst="rect">
             <a:avLst/>
@@ -5104,7 +5336,7 @@
 </p:sld>
 </file>
 
-<file path=ppt/slides/slide6.xml><?xml version="1.0" encoding="utf-8"?>
+<file path=ppt/slides/slide7.xml><?xml version="1.0" encoding="utf-8"?>
 <p:sld xmlns:a="http://schemas.openxmlformats.org/drawingml/2006/main" xmlns:r="http://schemas.openxmlformats.org/officeDocument/2006/relationships" xmlns:p="http://schemas.openxmlformats.org/presentationml/2006/main">
   <p:cSld>
     <p:bg>
